--- a/공채관련_자료/농심 NDS/임원면접 초안.pptx
+++ b/공채관련_자료/농심 NDS/임원면접 초안.pptx
@@ -7,6 +7,8 @@
   <p:sldIdLst>
     <p:sldId id="256" r:id="rId2"/>
     <p:sldId id="257" r:id="rId3"/>
+    <p:sldId id="258" r:id="rId4"/>
+    <p:sldId id="259" r:id="rId5"/>
   </p:sldIdLst>
   <p:sldSz cx="12192000" cy="6858000"/>
   <p:notesSz cx="6858000" cy="9144000"/>
@@ -105,6 +107,11 @@
       </a:defRPr>
     </a:lvl9pPr>
   </p:defaultTextStyle>
+  <p:extLst>
+    <p:ext uri="{EFAFB233-063F-42B5-8137-9DF3F51BA10A}">
+      <p15:sldGuideLst xmlns:p15="http://schemas.microsoft.com/office/powerpoint/2012/main"/>
+    </p:ext>
+  </p:extLst>
 </p:presentation>
 </file>
 
@@ -255,7 +262,7 @@
           <a:p>
             <a:fld id="{DD7E1945-0B3C-435A-A39E-A47C495B6905}" type="datetimeFigureOut">
               <a:rPr lang="ko-KR" altLang="en-US" smtClean="0"/>
-              <a:t>2021-11-17</a:t>
+              <a:t>2021-11-21</a:t>
             </a:fld>
             <a:endParaRPr lang="ko-KR" altLang="en-US"/>
           </a:p>
@@ -453,7 +460,7 @@
           <a:p>
             <a:fld id="{DD7E1945-0B3C-435A-A39E-A47C495B6905}" type="datetimeFigureOut">
               <a:rPr lang="ko-KR" altLang="en-US" smtClean="0"/>
-              <a:t>2021-11-17</a:t>
+              <a:t>2021-11-21</a:t>
             </a:fld>
             <a:endParaRPr lang="ko-KR" altLang="en-US"/>
           </a:p>
@@ -661,7 +668,7 @@
           <a:p>
             <a:fld id="{DD7E1945-0B3C-435A-A39E-A47C495B6905}" type="datetimeFigureOut">
               <a:rPr lang="ko-KR" altLang="en-US" smtClean="0"/>
-              <a:t>2021-11-17</a:t>
+              <a:t>2021-11-21</a:t>
             </a:fld>
             <a:endParaRPr lang="ko-KR" altLang="en-US"/>
           </a:p>
@@ -859,7 +866,7 @@
           <a:p>
             <a:fld id="{DD7E1945-0B3C-435A-A39E-A47C495B6905}" type="datetimeFigureOut">
               <a:rPr lang="ko-KR" altLang="en-US" smtClean="0"/>
-              <a:t>2021-11-17</a:t>
+              <a:t>2021-11-21</a:t>
             </a:fld>
             <a:endParaRPr lang="ko-KR" altLang="en-US"/>
           </a:p>
@@ -1134,7 +1141,7 @@
           <a:p>
             <a:fld id="{DD7E1945-0B3C-435A-A39E-A47C495B6905}" type="datetimeFigureOut">
               <a:rPr lang="ko-KR" altLang="en-US" smtClean="0"/>
-              <a:t>2021-11-17</a:t>
+              <a:t>2021-11-21</a:t>
             </a:fld>
             <a:endParaRPr lang="ko-KR" altLang="en-US"/>
           </a:p>
@@ -1399,7 +1406,7 @@
           <a:p>
             <a:fld id="{DD7E1945-0B3C-435A-A39E-A47C495B6905}" type="datetimeFigureOut">
               <a:rPr lang="ko-KR" altLang="en-US" smtClean="0"/>
-              <a:t>2021-11-17</a:t>
+              <a:t>2021-11-21</a:t>
             </a:fld>
             <a:endParaRPr lang="ko-KR" altLang="en-US"/>
           </a:p>
@@ -1811,7 +1818,7 @@
           <a:p>
             <a:fld id="{DD7E1945-0B3C-435A-A39E-A47C495B6905}" type="datetimeFigureOut">
               <a:rPr lang="ko-KR" altLang="en-US" smtClean="0"/>
-              <a:t>2021-11-17</a:t>
+              <a:t>2021-11-21</a:t>
             </a:fld>
             <a:endParaRPr lang="ko-KR" altLang="en-US"/>
           </a:p>
@@ -1952,7 +1959,7 @@
           <a:p>
             <a:fld id="{DD7E1945-0B3C-435A-A39E-A47C495B6905}" type="datetimeFigureOut">
               <a:rPr lang="ko-KR" altLang="en-US" smtClean="0"/>
-              <a:t>2021-11-17</a:t>
+              <a:t>2021-11-21</a:t>
             </a:fld>
             <a:endParaRPr lang="ko-KR" altLang="en-US"/>
           </a:p>
@@ -2065,7 +2072,7 @@
           <a:p>
             <a:fld id="{DD7E1945-0B3C-435A-A39E-A47C495B6905}" type="datetimeFigureOut">
               <a:rPr lang="ko-KR" altLang="en-US" smtClean="0"/>
-              <a:t>2021-11-17</a:t>
+              <a:t>2021-11-21</a:t>
             </a:fld>
             <a:endParaRPr lang="ko-KR" altLang="en-US"/>
           </a:p>
@@ -2376,7 +2383,7 @@
           <a:p>
             <a:fld id="{DD7E1945-0B3C-435A-A39E-A47C495B6905}" type="datetimeFigureOut">
               <a:rPr lang="ko-KR" altLang="en-US" smtClean="0"/>
-              <a:t>2021-11-17</a:t>
+              <a:t>2021-11-21</a:t>
             </a:fld>
             <a:endParaRPr lang="ko-KR" altLang="en-US"/>
           </a:p>
@@ -2664,7 +2671,7 @@
           <a:p>
             <a:fld id="{DD7E1945-0B3C-435A-A39E-A47C495B6905}" type="datetimeFigureOut">
               <a:rPr lang="ko-KR" altLang="en-US" smtClean="0"/>
-              <a:t>2021-11-17</a:t>
+              <a:t>2021-11-21</a:t>
             </a:fld>
             <a:endParaRPr lang="ko-KR" altLang="en-US"/>
           </a:p>
@@ -2905,7 +2912,7 @@
           <a:p>
             <a:fld id="{DD7E1945-0B3C-435A-A39E-A47C495B6905}" type="datetimeFigureOut">
               <a:rPr lang="ko-KR" altLang="en-US" smtClean="0"/>
-              <a:t>2021-11-17</a:t>
+              <a:t>2021-11-21</a:t>
             </a:fld>
             <a:endParaRPr lang="ko-KR" altLang="en-US"/>
           </a:p>
@@ -3386,7 +3393,7 @@
           <a:p>
             <a:pPr algn="l"/>
             <a:r>
-              <a:rPr lang="en-US" altLang="ko-KR" b="0" i="0">
+              <a:rPr lang="en-US" altLang="ko-KR" b="0" i="0" dirty="0" smtClean="0">
                 <a:solidFill>
                   <a:srgbClr val="000000"/>
                 </a:solidFill>
@@ -3394,10 +3401,10 @@
                 <a:latin typeface="굴림" panose="020B0600000101010101" pitchFamily="50" charset="-127"/>
                 <a:ea typeface="굴림" panose="020B0600000101010101" pitchFamily="50" charset="-127"/>
               </a:rPr>
-              <a:t>- NDS</a:t>
-            </a:r>
-            <a:r>
-              <a:rPr lang="ko-KR" altLang="en-US" b="0" i="0">
+              <a:t>-</a:t>
+            </a:r>
+            <a:r>
+              <a:rPr lang="en-US" altLang="ko-KR" b="0" i="0" dirty="0">
                 <a:solidFill>
                   <a:srgbClr val="000000"/>
                 </a:solidFill>
@@ -3405,65 +3412,10 @@
                 <a:latin typeface="굴림" panose="020B0600000101010101" pitchFamily="50" charset="-127"/>
                 <a:ea typeface="굴림" panose="020B0600000101010101" pitchFamily="50" charset="-127"/>
               </a:rPr>
-              <a:t>의 지속 가능한 성장 전략에 대하여</a:t>
-            </a:r>
-            <a:endParaRPr lang="ko-KR" altLang="en-US" b="0" i="0">
-              <a:solidFill>
-                <a:srgbClr val="000000"/>
-              </a:solidFill>
-              <a:effectLst/>
-              <a:latin typeface="돋움" panose="020B0600000101010101" pitchFamily="50" charset="-127"/>
-              <a:ea typeface="돋움" panose="020B0600000101010101" pitchFamily="50" charset="-127"/>
-            </a:endParaRPr>
-          </a:p>
-          <a:p>
-            <a:pPr algn="l"/>
-            <a:r>
-              <a:rPr lang="en-US" altLang="ko-KR" b="0" i="0">
-                <a:solidFill>
-                  <a:srgbClr val="000000"/>
-                </a:solidFill>
-                <a:effectLst/>
-                <a:latin typeface="굴림" panose="020B0600000101010101" pitchFamily="50" charset="-127"/>
-                <a:ea typeface="굴림" panose="020B0600000101010101" pitchFamily="50" charset="-127"/>
-              </a:rPr>
-              <a:t>- NDS</a:t>
-            </a:r>
-            <a:r>
-              <a:rPr lang="ko-KR" altLang="en-US" b="0" i="0">
-                <a:solidFill>
-                  <a:srgbClr val="000000"/>
-                </a:solidFill>
-                <a:effectLst/>
-                <a:latin typeface="굴림" panose="020B0600000101010101" pitchFamily="50" charset="-127"/>
-                <a:ea typeface="굴림" panose="020B0600000101010101" pitchFamily="50" charset="-127"/>
-              </a:rPr>
-              <a:t>의 대외 경쟁력 강화 방안에 대하여</a:t>
-            </a:r>
-            <a:endParaRPr lang="ko-KR" altLang="en-US" b="0" i="0">
-              <a:solidFill>
-                <a:srgbClr val="000000"/>
-              </a:solidFill>
-              <a:effectLst/>
-              <a:latin typeface="돋움" panose="020B0600000101010101" pitchFamily="50" charset="-127"/>
-              <a:ea typeface="돋움" panose="020B0600000101010101" pitchFamily="50" charset="-127"/>
-            </a:endParaRPr>
-          </a:p>
-          <a:p>
-            <a:pPr algn="l"/>
-            <a:r>
-              <a:rPr lang="en-US" altLang="ko-KR" b="0" i="0">
-                <a:solidFill>
-                  <a:srgbClr val="000000"/>
-                </a:solidFill>
-                <a:effectLst/>
-                <a:latin typeface="굴림" panose="020B0600000101010101" pitchFamily="50" charset="-127"/>
-                <a:ea typeface="굴림" panose="020B0600000101010101" pitchFamily="50" charset="-127"/>
-              </a:rPr>
-              <a:t>- NDS</a:t>
-            </a:r>
-            <a:r>
-              <a:rPr lang="ko-KR" altLang="en-US" b="0" i="0">
+              <a:t> NDS</a:t>
+            </a:r>
+            <a:r>
+              <a:rPr lang="ko-KR" altLang="en-US" b="0" i="0" dirty="0">
                 <a:solidFill>
                   <a:srgbClr val="000000"/>
                 </a:solidFill>
@@ -3473,7 +3425,7 @@
               </a:rPr>
               <a:t>의 신사업 진출 아이디어에 대하여</a:t>
             </a:r>
-            <a:endParaRPr lang="ko-KR" altLang="en-US" b="0" i="0">
+            <a:endParaRPr lang="ko-KR" altLang="en-US" b="0" i="0" dirty="0">
               <a:solidFill>
                 <a:srgbClr val="000000"/>
               </a:solidFill>
@@ -3483,7 +3435,7 @@
             </a:endParaRPr>
           </a:p>
           <a:p>
-            <a:endParaRPr lang="ko-KR" altLang="en-US"/>
+            <a:endParaRPr lang="ko-KR" altLang="en-US" dirty="0"/>
           </a:p>
         </p:txBody>
       </p:sp>
@@ -3519,20 +3471,46 @@
       </p:grpSpPr>
       <p:sp>
         <p:nvSpPr>
-          <p:cNvPr id="4" name="TextBox 3">
-            <a:extLst>
-              <a:ext uri="{FF2B5EF4-FFF2-40B4-BE49-F238E27FC236}">
-                <a16:creationId xmlns:a16="http://schemas.microsoft.com/office/drawing/2014/main" id="{65F8E17A-544E-4F54-9B7C-D2FE5C80FACA}"/>
-              </a:ext>
-            </a:extLst>
-          </p:cNvPr>
+          <p:cNvPr id="3" name="직사각형 2"/>
+          <p:cNvSpPr/>
+          <p:nvPr/>
+        </p:nvSpPr>
+        <p:spPr>
+          <a:xfrm>
+            <a:off x="957951" y="605307"/>
+            <a:ext cx="4866973" cy="369332"/>
+          </a:xfrm>
+          <a:prstGeom prst="rect">
+            <a:avLst/>
+          </a:prstGeom>
+        </p:spPr>
+        <p:txBody>
+          <a:bodyPr wrap="none">
+            <a:spAutoFit/>
+          </a:bodyPr>
+          <a:lstStyle/>
+          <a:p>
+            <a:r>
+              <a:rPr lang="en-US" altLang="ko-KR" dirty="0"/>
+              <a:t>COVID-19</a:t>
+            </a:r>
+            <a:r>
+              <a:rPr lang="ko-KR" altLang="en-US" dirty="0"/>
+              <a:t>가 헬스케어 서비스 모델 전환 과정</a:t>
+            </a:r>
+          </a:p>
+        </p:txBody>
+      </p:sp>
+      <p:sp>
+        <p:nvSpPr>
+          <p:cNvPr id="13" name="TextBox 12"/>
           <p:cNvSpPr txBox="1"/>
           <p:nvPr/>
         </p:nvSpPr>
         <p:spPr>
           <a:xfrm>
-            <a:off x="205272" y="354563"/>
-            <a:ext cx="2873829" cy="369332"/>
+            <a:off x="957951" y="1671309"/>
+            <a:ext cx="7992866" cy="369332"/>
           </a:xfrm>
           <a:prstGeom prst="rect">
             <a:avLst/>
@@ -3546,41 +3524,27 @@
           <a:lstStyle/>
           <a:p>
             <a:r>
-              <a:rPr lang="ko-KR" altLang="en-US"/>
-              <a:t>농심 사업 영역</a:t>
-            </a:r>
-            <a:r>
-              <a:rPr lang="en-US" altLang="ko-KR"/>
-              <a:t>(6</a:t>
-            </a:r>
-            <a:r>
-              <a:rPr lang="ko-KR" altLang="en-US"/>
-              <a:t>가지</a:t>
-            </a:r>
-            <a:r>
-              <a:rPr lang="en-US" altLang="ko-KR"/>
-              <a:t>)</a:t>
-            </a:r>
-            <a:endParaRPr lang="ko-KR" altLang="en-US"/>
-          </a:p>
-        </p:txBody>
-      </p:sp>
-      <p:sp>
-        <p:nvSpPr>
-          <p:cNvPr id="5" name="TextBox 4">
-            <a:extLst>
-              <a:ext uri="{FF2B5EF4-FFF2-40B4-BE49-F238E27FC236}">
-                <a16:creationId xmlns:a16="http://schemas.microsoft.com/office/drawing/2014/main" id="{CF4B4074-B521-4244-A9CD-CD4E48C73F6C}"/>
-              </a:ext>
-            </a:extLst>
-          </p:cNvPr>
+              <a:rPr lang="ko-KR" altLang="en-US" dirty="0" smtClean="0"/>
+              <a:t>코로나는 소비자의 스스로의 건강 관리에 더 적극적으로 참여하게 만들었다</a:t>
+            </a:r>
+            <a:r>
+              <a:rPr lang="en-US" altLang="ko-KR" dirty="0" smtClean="0"/>
+              <a:t>.</a:t>
+            </a:r>
+            <a:endParaRPr lang="ko-KR" altLang="en-US" dirty="0"/>
+          </a:p>
+        </p:txBody>
+      </p:sp>
+      <p:sp>
+        <p:nvSpPr>
+          <p:cNvPr id="14" name="TextBox 13"/>
           <p:cNvSpPr txBox="1"/>
           <p:nvPr/>
         </p:nvSpPr>
         <p:spPr>
           <a:xfrm>
-            <a:off x="205273" y="2055845"/>
-            <a:ext cx="1847461" cy="369332"/>
+            <a:off x="957951" y="2367979"/>
+            <a:ext cx="8598173" cy="369332"/>
           </a:xfrm>
           <a:prstGeom prst="rect">
             <a:avLst/>
@@ -3594,29 +3558,27 @@
           <a:lstStyle/>
           <a:p>
             <a:r>
-              <a:rPr lang="en-US" altLang="ko-KR"/>
-              <a:t>SI</a:t>
-            </a:r>
-            <a:endParaRPr lang="ko-KR" altLang="en-US"/>
-          </a:p>
-        </p:txBody>
-      </p:sp>
-      <p:sp>
-        <p:nvSpPr>
-          <p:cNvPr id="6" name="TextBox 5">
-            <a:extLst>
-              <a:ext uri="{FF2B5EF4-FFF2-40B4-BE49-F238E27FC236}">
-                <a16:creationId xmlns:a16="http://schemas.microsoft.com/office/drawing/2014/main" id="{96496017-485B-4250-AA57-6AF96433BB79}"/>
-              </a:ext>
-            </a:extLst>
-          </p:cNvPr>
+              <a:rPr lang="ko-KR" altLang="en-US" dirty="0" smtClean="0"/>
+              <a:t>점점 더 많은 소비자가 건강 상태 모니터링 목적으로 한 기술들을 사용하고 있다</a:t>
+            </a:r>
+            <a:r>
+              <a:rPr lang="en-US" altLang="ko-KR" dirty="0" smtClean="0"/>
+              <a:t>.</a:t>
+            </a:r>
+            <a:endParaRPr lang="ko-KR" altLang="en-US" dirty="0"/>
+          </a:p>
+        </p:txBody>
+      </p:sp>
+      <p:sp>
+        <p:nvSpPr>
+          <p:cNvPr id="15" name="TextBox 14"/>
           <p:cNvSpPr txBox="1"/>
           <p:nvPr/>
         </p:nvSpPr>
         <p:spPr>
           <a:xfrm>
-            <a:off x="205273" y="2674776"/>
-            <a:ext cx="1847461" cy="369332"/>
+            <a:off x="957950" y="3118902"/>
+            <a:ext cx="8598173" cy="369332"/>
           </a:xfrm>
           <a:prstGeom prst="rect">
             <a:avLst/>
@@ -3630,32 +3592,53 @@
           <a:lstStyle/>
           <a:p>
             <a:r>
-              <a:rPr lang="en-US" altLang="ko-KR"/>
-              <a:t>IT </a:t>
-            </a:r>
-            <a:r>
-              <a:rPr lang="ko-KR" altLang="en-US"/>
-              <a:t>아웃소싱</a:t>
-            </a:r>
-          </a:p>
-        </p:txBody>
-      </p:sp>
-      <p:sp>
-        <p:nvSpPr>
-          <p:cNvPr id="7" name="TextBox 6">
-            <a:extLst>
-              <a:ext uri="{FF2B5EF4-FFF2-40B4-BE49-F238E27FC236}">
-                <a16:creationId xmlns:a16="http://schemas.microsoft.com/office/drawing/2014/main" id="{D14C2C9D-004C-4CC1-8853-C94A2A67C0C3}"/>
-              </a:ext>
-            </a:extLst>
-          </p:cNvPr>
+              <a:rPr lang="ko-KR" altLang="en-US" dirty="0" smtClean="0"/>
+              <a:t>비대면 디지털 기술 기반 건강관리 서비스가 소비자의 우호적인 </a:t>
+            </a:r>
+            <a:endParaRPr lang="ko-KR" altLang="en-US" dirty="0"/>
+          </a:p>
+        </p:txBody>
+      </p:sp>
+    </p:spTree>
+    <p:extLst>
+      <p:ext uri="{BB962C8B-B14F-4D97-AF65-F5344CB8AC3E}">
+        <p14:creationId xmlns:p14="http://schemas.microsoft.com/office/powerpoint/2010/main" val="4213644458"/>
+      </p:ext>
+    </p:extLst>
+  </p:cSld>
+  <p:clrMapOvr>
+    <a:masterClrMapping/>
+  </p:clrMapOvr>
+</p:sld>
+</file>
+
+<file path=ppt/slides/slide3.xml><?xml version="1.0" encoding="utf-8"?>
+<p:sld xmlns:a="http://schemas.openxmlformats.org/drawingml/2006/main" xmlns:r="http://schemas.openxmlformats.org/officeDocument/2006/relationships" xmlns:p="http://schemas.openxmlformats.org/presentationml/2006/main">
+  <p:cSld>
+    <p:spTree>
+      <p:nvGrpSpPr>
+        <p:cNvPr id="1" name=""/>
+        <p:cNvGrpSpPr/>
+        <p:nvPr/>
+      </p:nvGrpSpPr>
+      <p:grpSpPr>
+        <a:xfrm>
+          <a:off x="0" y="0"/>
+          <a:ext cx="0" cy="0"/>
+          <a:chOff x="0" y="0"/>
+          <a:chExt cx="0" cy="0"/>
+        </a:xfrm>
+      </p:grpSpPr>
+      <p:sp>
+        <p:nvSpPr>
+          <p:cNvPr id="5" name="TextBox 4"/>
           <p:cNvSpPr txBox="1"/>
           <p:nvPr/>
         </p:nvSpPr>
         <p:spPr>
           <a:xfrm>
-            <a:off x="205273" y="3293707"/>
-            <a:ext cx="1996751" cy="369332"/>
+            <a:off x="459346" y="1894494"/>
+            <a:ext cx="10191482" cy="369332"/>
           </a:xfrm>
           <a:prstGeom prst="rect">
             <a:avLst/>
@@ -3669,28 +3652,27 @@
           <a:lstStyle/>
           <a:p>
             <a:r>
-              <a:rPr lang="ko-KR" altLang="en-US"/>
-              <a:t>클라우드 서비스</a:t>
-            </a:r>
-          </a:p>
-        </p:txBody>
-      </p:sp>
-      <p:sp>
-        <p:nvSpPr>
-          <p:cNvPr id="8" name="TextBox 7">
-            <a:extLst>
-              <a:ext uri="{FF2B5EF4-FFF2-40B4-BE49-F238E27FC236}">
-                <a16:creationId xmlns:a16="http://schemas.microsoft.com/office/drawing/2014/main" id="{F3E97817-10E5-4B04-A6E7-FC07414E750F}"/>
-              </a:ext>
-            </a:extLst>
-          </p:cNvPr>
+              <a:rPr lang="ko-KR" altLang="en-US" dirty="0" smtClean="0"/>
+              <a:t>환자들은 자신들의 건강 기록 흐름에 대한 통제권을 가지고 건강 기록을 언제든지 열람이 가능</a:t>
+            </a:r>
+            <a:r>
+              <a:rPr lang="en-US" altLang="ko-KR" dirty="0" smtClean="0"/>
+              <a:t>.</a:t>
+            </a:r>
+            <a:endParaRPr lang="ko-KR" altLang="en-US" dirty="0"/>
+          </a:p>
+        </p:txBody>
+      </p:sp>
+      <p:sp>
+        <p:nvSpPr>
+          <p:cNvPr id="6" name="TextBox 5"/>
           <p:cNvSpPr txBox="1"/>
           <p:nvPr/>
         </p:nvSpPr>
         <p:spPr>
           <a:xfrm>
-            <a:off x="205273" y="3912638"/>
-            <a:ext cx="2332654" cy="369332"/>
+            <a:off x="505494" y="1283690"/>
+            <a:ext cx="4388477" cy="369332"/>
           </a:xfrm>
           <a:prstGeom prst="rect">
             <a:avLst/>
@@ -3704,41 +3686,57 @@
           <a:lstStyle/>
           <a:p>
             <a:r>
-              <a:rPr lang="ko-KR" altLang="en-US"/>
-              <a:t>식품안전</a:t>
-            </a:r>
-            <a:r>
-              <a:rPr lang="en-US" altLang="ko-KR"/>
-              <a:t>(</a:t>
-            </a:r>
-            <a:r>
-              <a:rPr lang="ko-KR" altLang="en-US"/>
-              <a:t>블록체인</a:t>
-            </a:r>
-            <a:r>
-              <a:rPr lang="en-US" altLang="ko-KR"/>
-              <a:t>)</a:t>
-            </a:r>
-            <a:endParaRPr lang="ko-KR" altLang="en-US"/>
-          </a:p>
-        </p:txBody>
-      </p:sp>
-      <p:sp>
-        <p:nvSpPr>
-          <p:cNvPr id="9" name="TextBox 8">
-            <a:extLst>
-              <a:ext uri="{FF2B5EF4-FFF2-40B4-BE49-F238E27FC236}">
-                <a16:creationId xmlns:a16="http://schemas.microsoft.com/office/drawing/2014/main" id="{5D1E8101-DF4A-4687-A518-E3599E7016C2}"/>
-              </a:ext>
-            </a:extLst>
-          </p:cNvPr>
+              <a:rPr lang="ko-KR" altLang="en-US" dirty="0" smtClean="0"/>
+              <a:t>의료와 관련 된 모든 기록들에 대한 </a:t>
+            </a:r>
+            <a:r>
+              <a:rPr lang="en-US" altLang="ko-KR" dirty="0" smtClean="0"/>
+              <a:t>DX</a:t>
+            </a:r>
+            <a:endParaRPr lang="ko-KR" altLang="en-US" dirty="0"/>
+          </a:p>
+        </p:txBody>
+      </p:sp>
+    </p:spTree>
+    <p:extLst>
+      <p:ext uri="{BB962C8B-B14F-4D97-AF65-F5344CB8AC3E}">
+        <p14:creationId xmlns:p14="http://schemas.microsoft.com/office/powerpoint/2010/main" val="3705919951"/>
+      </p:ext>
+    </p:extLst>
+  </p:cSld>
+  <p:clrMapOvr>
+    <a:masterClrMapping/>
+  </p:clrMapOvr>
+</p:sld>
+</file>
+
+<file path=ppt/slides/slide4.xml><?xml version="1.0" encoding="utf-8"?>
+<p:sld xmlns:a="http://schemas.openxmlformats.org/drawingml/2006/main" xmlns:r="http://schemas.openxmlformats.org/officeDocument/2006/relationships" xmlns:p="http://schemas.openxmlformats.org/presentationml/2006/main">
+  <p:cSld>
+    <p:spTree>
+      <p:nvGrpSpPr>
+        <p:cNvPr id="1" name=""/>
+        <p:cNvGrpSpPr/>
+        <p:nvPr/>
+      </p:nvGrpSpPr>
+      <p:grpSpPr>
+        <a:xfrm>
+          <a:off x="0" y="0"/>
+          <a:ext cx="0" cy="0"/>
+          <a:chOff x="0" y="0"/>
+          <a:chExt cx="0" cy="0"/>
+        </a:xfrm>
+      </p:grpSpPr>
+      <p:sp>
+        <p:nvSpPr>
+          <p:cNvPr id="11" name="TextBox 10"/>
           <p:cNvSpPr txBox="1"/>
           <p:nvPr/>
         </p:nvSpPr>
         <p:spPr>
           <a:xfrm>
-            <a:off x="205273" y="4451486"/>
-            <a:ext cx="2332654" cy="369332"/>
+            <a:off x="281188" y="395887"/>
+            <a:ext cx="6930981" cy="369332"/>
           </a:xfrm>
           <a:prstGeom prst="rect">
             <a:avLst/>
@@ -3752,32 +3750,39 @@
           <a:lstStyle/>
           <a:p>
             <a:r>
-              <a:rPr lang="en-US" altLang="ko-KR"/>
-              <a:t>iT </a:t>
-            </a:r>
-            <a:r>
-              <a:rPr lang="ko-KR" altLang="en-US"/>
-              <a:t>솔루션</a:t>
-            </a:r>
-          </a:p>
-        </p:txBody>
-      </p:sp>
-      <p:sp>
-        <p:nvSpPr>
-          <p:cNvPr id="10" name="TextBox 9">
-            <a:extLst>
-              <a:ext uri="{FF2B5EF4-FFF2-40B4-BE49-F238E27FC236}">
-                <a16:creationId xmlns:a16="http://schemas.microsoft.com/office/drawing/2014/main" id="{ABD0CE12-2DF0-43DC-9F75-4492A4E15567}"/>
-              </a:ext>
-            </a:extLst>
-          </p:cNvPr>
+              <a:rPr lang="en-US" altLang="ko-KR" dirty="0" smtClean="0"/>
+              <a:t>NDS </a:t>
+            </a:r>
+            <a:r>
+              <a:rPr lang="ko-KR" altLang="en-US" dirty="0" err="1" smtClean="0"/>
+              <a:t>클라우드</a:t>
+            </a:r>
+            <a:r>
+              <a:rPr lang="ko-KR" altLang="en-US" dirty="0" smtClean="0"/>
+              <a:t> 서비스 노하우 </a:t>
+            </a:r>
+            <a:r>
+              <a:rPr lang="en-US" altLang="ko-KR" dirty="0" smtClean="0"/>
+              <a:t>+ </a:t>
+            </a:r>
+            <a:r>
+              <a:rPr lang="ko-KR" altLang="en-US" dirty="0" smtClean="0"/>
+              <a:t>개인 중심 통합의료체계 구축</a:t>
+            </a:r>
+            <a:endParaRPr lang="ko-KR" altLang="en-US" dirty="0"/>
+          </a:p>
+        </p:txBody>
+      </p:sp>
+      <p:sp>
+        <p:nvSpPr>
+          <p:cNvPr id="12" name="TextBox 11"/>
           <p:cNvSpPr txBox="1"/>
           <p:nvPr/>
         </p:nvSpPr>
         <p:spPr>
           <a:xfrm>
-            <a:off x="205273" y="4990334"/>
-            <a:ext cx="2332654" cy="369332"/>
+            <a:off x="1466045" y="4685764"/>
+            <a:ext cx="5203065" cy="369332"/>
           </a:xfrm>
           <a:prstGeom prst="rect">
             <a:avLst/>
@@ -3790,17 +3795,79 @@
           </a:bodyPr>
           <a:lstStyle/>
           <a:p>
-            <a:r>
-              <a:rPr lang="ko-KR" altLang="en-US"/>
-              <a:t>헬스케어</a:t>
-            </a:r>
+            <a:endParaRPr lang="ko-KR" altLang="en-US" dirty="0"/>
+          </a:p>
+        </p:txBody>
+      </p:sp>
+      <p:sp>
+        <p:nvSpPr>
+          <p:cNvPr id="4" name="TextBox 3"/>
+          <p:cNvSpPr txBox="1"/>
+          <p:nvPr/>
+        </p:nvSpPr>
+        <p:spPr>
+          <a:xfrm>
+            <a:off x="281186" y="1539960"/>
+            <a:ext cx="10189337" cy="1477328"/>
+          </a:xfrm>
+          <a:prstGeom prst="rect">
+            <a:avLst/>
+          </a:prstGeom>
+          <a:noFill/>
+        </p:spPr>
+        <p:txBody>
+          <a:bodyPr wrap="square" rtlCol="0">
+            <a:spAutoFit/>
+          </a:bodyPr>
+          <a:lstStyle/>
+          <a:p>
+            <a:r>
+              <a:rPr lang="ko-KR" altLang="en-US" dirty="0" smtClean="0"/>
+              <a:t>현재 소비자에 대한 모든 데이터가 자산</a:t>
+            </a:r>
+            <a:r>
+              <a:rPr lang="en-US" altLang="ko-KR" dirty="0" smtClean="0"/>
+              <a:t>.</a:t>
+            </a:r>
+          </a:p>
+          <a:p>
+            <a:endParaRPr lang="en-US" altLang="ko-KR" dirty="0"/>
+          </a:p>
+          <a:p>
+            <a:r>
+              <a:rPr lang="en-US" altLang="ko-KR" dirty="0" smtClean="0"/>
+              <a:t>NDS</a:t>
+            </a:r>
+            <a:r>
+              <a:rPr lang="ko-KR" altLang="en-US" dirty="0" smtClean="0"/>
+              <a:t>의 경험을 통해 의료 데이터 </a:t>
+            </a:r>
+            <a:r>
+              <a:rPr lang="en-US" altLang="ko-KR" dirty="0" smtClean="0"/>
+              <a:t>DX</a:t>
+            </a:r>
+            <a:r>
+              <a:rPr lang="ko-KR" altLang="en-US" dirty="0" smtClean="0"/>
+              <a:t>화 하여 강력한 데이터 상호 운용이 가능한 플랫폼</a:t>
+            </a:r>
+            <a:endParaRPr lang="en-US" altLang="ko-KR" dirty="0" smtClean="0"/>
+          </a:p>
+          <a:p>
+            <a:endParaRPr lang="en-US" altLang="ko-KR" dirty="0" smtClean="0"/>
+          </a:p>
+          <a:p>
+            <a:r>
+              <a:rPr lang="ko-KR" altLang="en-US" dirty="0" smtClean="0"/>
+              <a:t>환자와 의료진의 데이터</a:t>
+            </a:r>
+            <a:endParaRPr lang="ko-KR" altLang="en-US" dirty="0"/>
           </a:p>
         </p:txBody>
       </p:sp>
     </p:spTree>
     <p:extLst>
       <p:ext uri="{BB962C8B-B14F-4D97-AF65-F5344CB8AC3E}">
-        <p14:creationId xmlns:p14="http://schemas.microsoft.com/office/powerpoint/2010/main" val="4213644458"/>
+        <p14:creationId xmlns:p14="http://schemas.microsoft.com/office/powerpoint/2010/main" val="961815126"/>
       </p:ext>
     </p:extLst>
   </p:cSld>
